--- a/saturn/saturn-payment-credentials.pptx
+++ b/saturn/saturn-payment-credentials.pptx
@@ -288,7 +288,7 @@
           <a:p>
             <a:fld id="{EF69B2A4-F4BC-4038-857F-798226C3C337}" type="datetimeFigureOut">
               <a:rPr lang="en-US" smtClean="0"/>
-              <a:t>2019-08-11</a:t>
+              <a:t>2019-08-12</a:t>
             </a:fld>
             <a:endParaRPr lang="en-US"/>
           </a:p>
@@ -458,7 +458,7 @@
           <a:p>
             <a:fld id="{EF69B2A4-F4BC-4038-857F-798226C3C337}" type="datetimeFigureOut">
               <a:rPr lang="en-US" smtClean="0"/>
-              <a:t>2019-08-11</a:t>
+              <a:t>2019-08-12</a:t>
             </a:fld>
             <a:endParaRPr lang="en-US"/>
           </a:p>
@@ -638,7 +638,7 @@
           <a:p>
             <a:fld id="{EF69B2A4-F4BC-4038-857F-798226C3C337}" type="datetimeFigureOut">
               <a:rPr lang="en-US" smtClean="0"/>
-              <a:t>2019-08-11</a:t>
+              <a:t>2019-08-12</a:t>
             </a:fld>
             <a:endParaRPr lang="en-US"/>
           </a:p>
@@ -808,7 +808,7 @@
           <a:p>
             <a:fld id="{EF69B2A4-F4BC-4038-857F-798226C3C337}" type="datetimeFigureOut">
               <a:rPr lang="en-US" smtClean="0"/>
-              <a:t>2019-08-11</a:t>
+              <a:t>2019-08-12</a:t>
             </a:fld>
             <a:endParaRPr lang="en-US"/>
           </a:p>
@@ -1054,7 +1054,7 @@
           <a:p>
             <a:fld id="{EF69B2A4-F4BC-4038-857F-798226C3C337}" type="datetimeFigureOut">
               <a:rPr lang="en-US" smtClean="0"/>
-              <a:t>2019-08-11</a:t>
+              <a:t>2019-08-12</a:t>
             </a:fld>
             <a:endParaRPr lang="en-US"/>
           </a:p>
@@ -1342,7 +1342,7 @@
           <a:p>
             <a:fld id="{EF69B2A4-F4BC-4038-857F-798226C3C337}" type="datetimeFigureOut">
               <a:rPr lang="en-US" smtClean="0"/>
-              <a:t>2019-08-11</a:t>
+              <a:t>2019-08-12</a:t>
             </a:fld>
             <a:endParaRPr lang="en-US"/>
           </a:p>
@@ -1764,7 +1764,7 @@
           <a:p>
             <a:fld id="{EF69B2A4-F4BC-4038-857F-798226C3C337}" type="datetimeFigureOut">
               <a:rPr lang="en-US" smtClean="0"/>
-              <a:t>2019-08-11</a:t>
+              <a:t>2019-08-12</a:t>
             </a:fld>
             <a:endParaRPr lang="en-US"/>
           </a:p>
@@ -1882,7 +1882,7 @@
           <a:p>
             <a:fld id="{EF69B2A4-F4BC-4038-857F-798226C3C337}" type="datetimeFigureOut">
               <a:rPr lang="en-US" smtClean="0"/>
-              <a:t>2019-08-11</a:t>
+              <a:t>2019-08-12</a:t>
             </a:fld>
             <a:endParaRPr lang="en-US"/>
           </a:p>
@@ -1977,7 +1977,7 @@
           <a:p>
             <a:fld id="{EF69B2A4-F4BC-4038-857F-798226C3C337}" type="datetimeFigureOut">
               <a:rPr lang="en-US" smtClean="0"/>
-              <a:t>2019-08-11</a:t>
+              <a:t>2019-08-12</a:t>
             </a:fld>
             <a:endParaRPr lang="en-US"/>
           </a:p>
@@ -2254,7 +2254,7 @@
           <a:p>
             <a:fld id="{EF69B2A4-F4BC-4038-857F-798226C3C337}" type="datetimeFigureOut">
               <a:rPr lang="en-US" smtClean="0"/>
-              <a:t>2019-08-11</a:t>
+              <a:t>2019-08-12</a:t>
             </a:fld>
             <a:endParaRPr lang="en-US"/>
           </a:p>
@@ -2507,7 +2507,7 @@
           <a:p>
             <a:fld id="{EF69B2A4-F4BC-4038-857F-798226C3C337}" type="datetimeFigureOut">
               <a:rPr lang="en-US" smtClean="0"/>
-              <a:t>2019-08-11</a:t>
+              <a:t>2019-08-12</a:t>
             </a:fld>
             <a:endParaRPr lang="en-US"/>
           </a:p>
@@ -2720,7 +2720,7 @@
           <a:p>
             <a:fld id="{EF69B2A4-F4BC-4038-857F-798226C3C337}" type="datetimeFigureOut">
               <a:rPr lang="en-US" smtClean="0"/>
-              <a:t>2019-08-11</a:t>
+              <a:t>2019-08-12</a:t>
             </a:fld>
             <a:endParaRPr lang="en-US"/>
           </a:p>
@@ -3150,11 +3150,7 @@
             <a:pPr algn="ctr"/>
             <a:r>
               <a:rPr lang="en-US" sz="2000" dirty="0" smtClean="0"/>
-              <a:t>Saturn V3 - Payment </a:t>
-            </a:r>
-            <a:r>
-              <a:rPr lang="en-US" sz="2000" dirty="0" smtClean="0"/>
-              <a:t>Credentials</a:t>
+              <a:t>Saturn V3 - Payment Credentials</a:t>
             </a:r>
             <a:endParaRPr lang="en-US" sz="2000" dirty="0"/>
           </a:p>
@@ -3169,7 +3165,7 @@
           <p:nvPr>
             <p:extLst>
               <p:ext uri="{D42A27DB-BD31-4B8C-83A1-F6EECF244321}">
-                <p14:modId xmlns:p14="http://schemas.microsoft.com/office/powerpoint/2010/main" val="393401109"/>
+                <p14:modId xmlns:p14="http://schemas.microsoft.com/office/powerpoint/2010/main" val="363048779"/>
               </p:ext>
             </p:extLst>
           </p:nvPr>
@@ -3503,19 +3499,11 @@
                     <a:p>
                       <a:r>
                         <a:rPr lang="en-US" sz="1200" dirty="0" smtClean="0"/>
-                        <a:t>Holds </a:t>
-                      </a:r>
-                      <a:r>
-                        <a:rPr lang="en-US" sz="1200" dirty="0" smtClean="0"/>
-                        <a:t>an object </a:t>
+                        <a:t>Holds an object </a:t>
                       </a:r>
                       <a:r>
                         <a:rPr lang="en-US" sz="1200" baseline="0" dirty="0" smtClean="0"/>
-                        <a:t>with </a:t>
-                      </a:r>
-                      <a:r>
-                        <a:rPr lang="en-US" sz="1200" baseline="0" dirty="0" smtClean="0"/>
-                        <a:t>parameters (</a:t>
+                        <a:t>with parameters (</a:t>
                       </a:r>
                       <a:r>
                         <a:rPr lang="en-US" sz="1200" i="1" baseline="0" dirty="0" smtClean="0"/>
@@ -3543,7 +3531,53 @@
                     <a:p>
                       <a:r>
                         <a:rPr lang="en-US" sz="1200" baseline="0" dirty="0" smtClean="0"/>
-                        <a:t>Data based on IETF’s JWA and JWK standards</a:t>
+                        <a:t>Object </a:t>
+                      </a:r>
+                      <a:r>
+                        <a:rPr lang="en-US" sz="1200" baseline="0" dirty="0" smtClean="0"/>
+                        <a:t>based on IETF’s </a:t>
+                      </a:r>
+                      <a:r>
+                        <a:rPr lang="en-US" sz="1200" baseline="0" dirty="0" smtClean="0"/>
+                        <a:t>JOSE standards:</a:t>
+                      </a:r>
+                    </a:p>
+                    <a:p>
+                      <a:pPr marL="171450" indent="-171450">
+                        <a:buFont typeface="Arial" panose="020B0604020202020204" pitchFamily="34" charset="0"/>
+                        <a:buChar char="•"/>
+                      </a:pPr>
+                      <a:r>
+                        <a:rPr lang="en-US" sz="1200" baseline="0" dirty="0" smtClean="0"/>
+                        <a:t>EC </a:t>
+                      </a:r>
+                      <a:r>
+                        <a:rPr lang="en-US" sz="1200" baseline="0" smtClean="0"/>
+                        <a:t>or RSA public </a:t>
+                      </a:r>
+                      <a:r>
+                        <a:rPr lang="en-US" sz="1200" baseline="0" dirty="0" smtClean="0"/>
+                        <a:t>key in JWK format</a:t>
+                      </a:r>
+                    </a:p>
+                    <a:p>
+                      <a:pPr marL="171450" indent="-171450">
+                        <a:buFont typeface="Arial" panose="020B0604020202020204" pitchFamily="34" charset="0"/>
+                        <a:buChar char="•"/>
+                      </a:pPr>
+                      <a:r>
+                        <a:rPr lang="en-US" sz="1200" baseline="0" dirty="0" smtClean="0"/>
+                        <a:t>Content encryption algorithms like A256GCM</a:t>
+                      </a:r>
+                    </a:p>
+                    <a:p>
+                      <a:pPr marL="171450" indent="-171450">
+                        <a:buFont typeface="Arial" panose="020B0604020202020204" pitchFamily="34" charset="0"/>
+                        <a:buChar char="•"/>
+                      </a:pPr>
+                      <a:r>
+                        <a:rPr lang="en-US" sz="1200" baseline="0" dirty="0" smtClean="0"/>
+                        <a:t>Key encryption algorithms like ECDH-ES</a:t>
                       </a:r>
                       <a:endParaRPr lang="en-US" sz="1200" dirty="0"/>
                     </a:p>
@@ -3723,7 +3757,15 @@
                       </a:r>
                       <a:r>
                         <a:rPr lang="en-US" sz="1200" baseline="0" dirty="0" smtClean="0"/>
-                        <a:t> description of the credential.</a:t>
+                        <a:t> </a:t>
+                      </a:r>
+                      <a:r>
+                        <a:rPr lang="en-US" sz="1200" baseline="0" dirty="0" smtClean="0"/>
+                        <a:t>representation </a:t>
+                      </a:r>
+                      <a:r>
+                        <a:rPr lang="en-US" sz="1200" baseline="0" dirty="0" smtClean="0"/>
+                        <a:t>of the credential.</a:t>
                       </a:r>
                       <a:endParaRPr lang="en-US" sz="1200" dirty="0"/>
                     </a:p>
@@ -3835,7 +3877,7 @@
                 <a:latin typeface="Arial" panose="020B0604020202020204" pitchFamily="34" charset="0"/>
                 <a:cs typeface="Arial" panose="020B0604020202020204" pitchFamily="34" charset="0"/>
               </a:rPr>
-              <a:t>2019-08-11</a:t>
+              <a:t>2019-08-12</a:t>
             </a:r>
             <a:endParaRPr lang="en-US" sz="800" dirty="0">
               <a:latin typeface="Arial" panose="020B0604020202020204" pitchFamily="34" charset="0"/>

--- a/saturn/saturn-payment-credentials.pptx
+++ b/saturn/saturn-payment-credentials.pptx
@@ -3165,7 +3165,7 @@
           <p:nvPr>
             <p:extLst>
               <p:ext uri="{D42A27DB-BD31-4B8C-83A1-F6EECF244321}">
-                <p14:modId xmlns:p14="http://schemas.microsoft.com/office/powerpoint/2010/main" val="363048779"/>
+                <p14:modId xmlns:p14="http://schemas.microsoft.com/office/powerpoint/2010/main" val="4175805907"/>
               </p:ext>
             </p:extLst>
           </p:nvPr>
@@ -3387,7 +3387,11 @@
                       </a:r>
                       <a:r>
                         <a:rPr lang="en-US" sz="1200" i="1" baseline="0" dirty="0" smtClean="0"/>
-                        <a:t>Also plays a crucial role for establishing scalable trust between entities</a:t>
+                        <a:t>This data also </a:t>
+                      </a:r>
+                      <a:r>
+                        <a:rPr lang="en-US" sz="1200" i="1" baseline="0" dirty="0" smtClean="0"/>
+                        <a:t>plays a crucial role for establishing scalable trust between entities</a:t>
                       </a:r>
                       <a:r>
                         <a:rPr lang="en-US" sz="1200" baseline="0" dirty="0" smtClean="0"/>
@@ -3511,13 +3515,23 @@
                       </a:r>
                       <a:r>
                         <a:rPr lang="en-US" sz="1200" baseline="0" dirty="0" smtClean="0"/>
-                        <a:t>), telling the client how to encrypt user authorization data (an alternative to</a:t>
-                      </a:r>
-                    </a:p>
-                    <a:p>
+                        <a:t>), telling the </a:t>
+                      </a:r>
                       <a:r>
                         <a:rPr lang="en-US" sz="1200" baseline="0" dirty="0" smtClean="0"/>
-                        <a:t>“tokenization”).</a:t>
+                        <a:t>local client application </a:t>
+                      </a:r>
+                      <a:r>
+                        <a:rPr lang="en-US" sz="1200" baseline="0" dirty="0" smtClean="0"/>
+                        <a:t>how to encrypt user authorization data (an alternative </a:t>
+                      </a:r>
+                      <a:r>
+                        <a:rPr lang="en-US" sz="1200" baseline="0" dirty="0" smtClean="0"/>
+                        <a:t>to “tokenization</a:t>
+                      </a:r>
+                      <a:r>
+                        <a:rPr lang="en-US" sz="1200" baseline="0" dirty="0" smtClean="0"/>
+                        <a:t>”).</a:t>
                       </a:r>
                       <a:endParaRPr lang="en-US" sz="1200" dirty="0"/>
                     </a:p>
@@ -3531,15 +3545,7 @@
                     <a:p>
                       <a:r>
                         <a:rPr lang="en-US" sz="1200" baseline="0" dirty="0" smtClean="0"/>
-                        <a:t>Object </a:t>
-                      </a:r>
-                      <a:r>
-                        <a:rPr lang="en-US" sz="1200" baseline="0" dirty="0" smtClean="0"/>
-                        <a:t>based on IETF’s </a:t>
-                      </a:r>
-                      <a:r>
-                        <a:rPr lang="en-US" sz="1200" baseline="0" dirty="0" smtClean="0"/>
-                        <a:t>JOSE standards:</a:t>
+                        <a:t>Object based on IETF’s JOSE standards:</a:t>
                       </a:r>
                     </a:p>
                     <a:p>
@@ -3619,7 +3625,15 @@
                       </a:r>
                       <a:r>
                         <a:rPr lang="en-US" sz="1200" baseline="0" dirty="0" smtClean="0"/>
-                        <a:t>.  This key must be explicitly activated by the user through a PIN code or biometric operation.</a:t>
+                        <a:t>.  </a:t>
+                      </a:r>
+                      <a:r>
+                        <a:rPr lang="en-US" sz="1200" i="1" baseline="0" dirty="0" smtClean="0"/>
+                        <a:t>This key must be explicitly activated by the user through a PIN code or biometric operation</a:t>
+                      </a:r>
+                      <a:r>
+                        <a:rPr lang="en-US" sz="1200" baseline="0" dirty="0" smtClean="0"/>
+                        <a:t>.</a:t>
                       </a:r>
                       <a:endParaRPr lang="en-US" sz="1200" dirty="0"/>
                     </a:p>
@@ -3757,15 +3771,7 @@
                       </a:r>
                       <a:r>
                         <a:rPr lang="en-US" sz="1200" baseline="0" dirty="0" smtClean="0"/>
-                        <a:t> </a:t>
-                      </a:r>
-                      <a:r>
-                        <a:rPr lang="en-US" sz="1200" baseline="0" dirty="0" smtClean="0"/>
-                        <a:t>representation </a:t>
-                      </a:r>
-                      <a:r>
-                        <a:rPr lang="en-US" sz="1200" baseline="0" dirty="0" smtClean="0"/>
-                        <a:t>of the credential.</a:t>
+                        <a:t> representation of the credential.</a:t>
                       </a:r>
                       <a:endParaRPr lang="en-US" sz="1200" dirty="0"/>
                     </a:p>
@@ -3870,14 +3876,7 @@
                 <a:latin typeface="Arial" panose="020B0604020202020204" pitchFamily="34" charset="0"/>
                 <a:cs typeface="Arial" panose="020B0604020202020204" pitchFamily="34" charset="0"/>
               </a:rPr>
-              <a:t> </a:t>
-            </a:r>
-            <a:r>
-              <a:rPr lang="en-US" sz="800" dirty="0" smtClean="0">
-                <a:latin typeface="Arial" panose="020B0604020202020204" pitchFamily="34" charset="0"/>
-                <a:cs typeface="Arial" panose="020B0604020202020204" pitchFamily="34" charset="0"/>
-              </a:rPr>
-              <a:t>2019-08-12</a:t>
+              <a:t> 2019-08-12</a:t>
             </a:r>
             <a:endParaRPr lang="en-US" sz="800" dirty="0">
               <a:latin typeface="Arial" panose="020B0604020202020204" pitchFamily="34" charset="0"/>

--- a/saturn/saturn-payment-credentials.pptx
+++ b/saturn/saturn-payment-credentials.pptx
@@ -3165,14 +3165,14 @@
           <p:nvPr>
             <p:extLst>
               <p:ext uri="{D42A27DB-BD31-4B8C-83A1-F6EECF244321}">
-                <p14:modId xmlns:p14="http://schemas.microsoft.com/office/powerpoint/2010/main" val="4175805907"/>
+                <p14:modId xmlns:p14="http://schemas.microsoft.com/office/powerpoint/2010/main" val="1192108955"/>
               </p:ext>
             </p:extLst>
           </p:nvPr>
         </p:nvGraphicFramePr>
         <p:xfrm>
           <a:off x="401398" y="698558"/>
-          <a:ext cx="8352928" cy="5887920"/>
+          <a:ext cx="8352928" cy="5714760"/>
         </p:xfrm>
         <a:graphic>
           <a:graphicData uri="http://schemas.openxmlformats.org/drawingml/2006/table">
@@ -3182,8 +3182,8 @@
               </a:tblPr>
               <a:tblGrid>
                 <a:gridCol w="1782243"/>
-                <a:gridCol w="3258317"/>
-                <a:gridCol w="3312368"/>
+                <a:gridCol w="3396471"/>
+                <a:gridCol w="3174214"/>
               </a:tblGrid>
               <a:tr h="262828">
                 <a:tc>
@@ -3317,7 +3317,15 @@
                       </a:r>
                       <a:r>
                         <a:rPr lang="en-US" sz="1200" baseline="0" dirty="0" smtClean="0"/>
-                        <a:t> associated with the credential.</a:t>
+                        <a:t> associated with the </a:t>
+                      </a:r>
+                      <a:r>
+                        <a:rPr lang="en-US" sz="1200" baseline="0" dirty="0" smtClean="0"/>
+                        <a:t>payment credential</a:t>
+                      </a:r>
+                      <a:r>
+                        <a:rPr lang="en-US" sz="1200" baseline="0" dirty="0" smtClean="0"/>
+                        <a:t>.</a:t>
                       </a:r>
                       <a:endParaRPr lang="en-US" sz="1200" dirty="0"/>
                     </a:p>
@@ -3387,11 +3395,7 @@
                       </a:r>
                       <a:r>
                         <a:rPr lang="en-US" sz="1200" i="1" baseline="0" dirty="0" smtClean="0"/>
-                        <a:t>This data also </a:t>
-                      </a:r>
-                      <a:r>
-                        <a:rPr lang="en-US" sz="1200" i="1" baseline="0" dirty="0" smtClean="0"/>
-                        <a:t>plays a crucial role for establishing scalable trust between entities</a:t>
+                        <a:t>This data also plays a crucial role for establishing scalable trust between entities</a:t>
                       </a:r>
                       <a:r>
                         <a:rPr lang="en-US" sz="1200" baseline="0" dirty="0" smtClean="0"/>
@@ -3515,23 +3519,7 @@
                       </a:r>
                       <a:r>
                         <a:rPr lang="en-US" sz="1200" baseline="0" dirty="0" smtClean="0"/>
-                        <a:t>), telling the </a:t>
-                      </a:r>
-                      <a:r>
-                        <a:rPr lang="en-US" sz="1200" baseline="0" dirty="0" smtClean="0"/>
-                        <a:t>local client application </a:t>
-                      </a:r>
-                      <a:r>
-                        <a:rPr lang="en-US" sz="1200" baseline="0" dirty="0" smtClean="0"/>
-                        <a:t>how to encrypt user authorization data (an alternative </a:t>
-                      </a:r>
-                      <a:r>
-                        <a:rPr lang="en-US" sz="1200" baseline="0" dirty="0" smtClean="0"/>
-                        <a:t>to “tokenization</a:t>
-                      </a:r>
-                      <a:r>
-                        <a:rPr lang="en-US" sz="1200" baseline="0" dirty="0" smtClean="0"/>
-                        <a:t>”).</a:t>
+                        <a:t>), telling the local client application how to encrypt user authorization data (an alternative to “tokenization”).</a:t>
                       </a:r>
                       <a:endParaRPr lang="en-US" sz="1200" dirty="0"/>
                     </a:p>
@@ -3620,7 +3608,7 @@
                         <a:t> key (including public key) used for authorizing payment requests associated with </a:t>
                       </a:r>
                       <a:r>
-                        <a:rPr lang="en-US" sz="1200" baseline="0" dirty="0" err="1" smtClean="0"/>
+                        <a:rPr lang="en-US" sz="1200" b="1" baseline="0" dirty="0" err="1" smtClean="0"/>
                         <a:t>accountId</a:t>
                       </a:r>
                       <a:r>
@@ -3693,7 +3681,7 @@
                         <a:t>Private key (including public key) used for authorizing balance requests associated with </a:t>
                       </a:r>
                       <a:r>
-                        <a:rPr lang="en-US" sz="1200" dirty="0" err="1" smtClean="0"/>
+                        <a:rPr lang="en-US" sz="1200" b="1" dirty="0" err="1" smtClean="0"/>
                         <a:t>accountId</a:t>
                       </a:r>
                       <a:r>
@@ -3706,7 +3694,11 @@
                       </a:r>
                       <a:r>
                         <a:rPr lang="en-US" sz="1200" i="1" baseline="0" dirty="0" smtClean="0"/>
-                        <a:t> is used in the background and does not require user interaction since it only reads data and only for a specific account</a:t>
+                        <a:t> is used in the background and does not require user interaction since </a:t>
+                      </a:r>
+                      <a:r>
+                        <a:rPr lang="en-US" sz="1200" i="1" baseline="0" dirty="0" smtClean="0"/>
+                        <a:t>balance access is read only and limited to a specific account</a:t>
                       </a:r>
                       <a:r>
                         <a:rPr lang="en-US" sz="1200" baseline="0" dirty="0" smtClean="0"/>
@@ -3771,7 +3763,15 @@
                       </a:r>
                       <a:r>
                         <a:rPr lang="en-US" sz="1200" baseline="0" dirty="0" smtClean="0"/>
-                        <a:t> representation of the credential.</a:t>
+                        <a:t> representation of the </a:t>
+                      </a:r>
+                      <a:r>
+                        <a:rPr lang="en-US" sz="1200" baseline="0" dirty="0" smtClean="0"/>
+                        <a:t>payment credential</a:t>
+                      </a:r>
+                      <a:r>
+                        <a:rPr lang="en-US" sz="1200" baseline="0" dirty="0" smtClean="0"/>
+                        <a:t>.</a:t>
                       </a:r>
                       <a:endParaRPr lang="en-US" sz="1200" dirty="0"/>
                     </a:p>
@@ -3827,7 +3827,7 @@
         </p:blipFill>
         <p:spPr>
           <a:xfrm>
-            <a:off x="5441958" y="5604071"/>
+            <a:off x="5581776" y="5421776"/>
             <a:ext cx="1584176" cy="993281"/>
           </a:xfrm>
           <a:prstGeom prst="rect">
